--- a/Brainstorming/Brainstorming_BA_Themen.pptx
+++ b/Brainstorming/Brainstorming_BA_Themen.pptx
@@ -208,7 +208,7 @@
           <a:p>
             <a:fld id="{392EA5AF-90DE-43CA-81E6-EA0142964BF1}" type="datetimeFigureOut">
               <a:rPr lang="en-US" smtClean="0"/>
-              <a:t>1/10/2025</a:t>
+              <a:t>1/13/2025</a:t>
             </a:fld>
             <a:endParaRPr lang="en-US"/>
           </a:p>
@@ -965,7 +965,7 @@
           <a:p>
             <a:fld id="{A709E7FE-DBB4-4B23-A04D-A8448DA8D5CC}" type="datetimeFigureOut">
               <a:rPr lang="en-US" smtClean="0"/>
-              <a:t>1/10/2025</a:t>
+              <a:t>1/13/2025</a:t>
             </a:fld>
             <a:endParaRPr lang="en-US"/>
           </a:p>
@@ -1165,7 +1165,7 @@
           <a:p>
             <a:fld id="{A709E7FE-DBB4-4B23-A04D-A8448DA8D5CC}" type="datetimeFigureOut">
               <a:rPr lang="en-US" smtClean="0"/>
-              <a:t>1/10/2025</a:t>
+              <a:t>1/13/2025</a:t>
             </a:fld>
             <a:endParaRPr lang="en-US"/>
           </a:p>
@@ -1375,7 +1375,7 @@
           <a:p>
             <a:fld id="{A709E7FE-DBB4-4B23-A04D-A8448DA8D5CC}" type="datetimeFigureOut">
               <a:rPr lang="en-US" smtClean="0"/>
-              <a:t>1/10/2025</a:t>
+              <a:t>1/13/2025</a:t>
             </a:fld>
             <a:endParaRPr lang="en-US"/>
           </a:p>
@@ -1575,7 +1575,7 @@
           <a:p>
             <a:fld id="{A709E7FE-DBB4-4B23-A04D-A8448DA8D5CC}" type="datetimeFigureOut">
               <a:rPr lang="en-US" smtClean="0"/>
-              <a:t>1/10/2025</a:t>
+              <a:t>1/13/2025</a:t>
             </a:fld>
             <a:endParaRPr lang="en-US"/>
           </a:p>
@@ -1851,7 +1851,7 @@
           <a:p>
             <a:fld id="{A709E7FE-DBB4-4B23-A04D-A8448DA8D5CC}" type="datetimeFigureOut">
               <a:rPr lang="en-US" smtClean="0"/>
-              <a:t>1/10/2025</a:t>
+              <a:t>1/13/2025</a:t>
             </a:fld>
             <a:endParaRPr lang="en-US"/>
           </a:p>
@@ -2119,7 +2119,7 @@
           <a:p>
             <a:fld id="{A709E7FE-DBB4-4B23-A04D-A8448DA8D5CC}" type="datetimeFigureOut">
               <a:rPr lang="en-US" smtClean="0"/>
-              <a:t>1/10/2025</a:t>
+              <a:t>1/13/2025</a:t>
             </a:fld>
             <a:endParaRPr lang="en-US"/>
           </a:p>
@@ -2534,7 +2534,7 @@
           <a:p>
             <a:fld id="{A709E7FE-DBB4-4B23-A04D-A8448DA8D5CC}" type="datetimeFigureOut">
               <a:rPr lang="en-US" smtClean="0"/>
-              <a:t>1/10/2025</a:t>
+              <a:t>1/13/2025</a:t>
             </a:fld>
             <a:endParaRPr lang="en-US"/>
           </a:p>
@@ -2676,7 +2676,7 @@
           <a:p>
             <a:fld id="{A709E7FE-DBB4-4B23-A04D-A8448DA8D5CC}" type="datetimeFigureOut">
               <a:rPr lang="en-US" smtClean="0"/>
-              <a:t>1/10/2025</a:t>
+              <a:t>1/13/2025</a:t>
             </a:fld>
             <a:endParaRPr lang="en-US"/>
           </a:p>
@@ -2789,7 +2789,7 @@
           <a:p>
             <a:fld id="{A709E7FE-DBB4-4B23-A04D-A8448DA8D5CC}" type="datetimeFigureOut">
               <a:rPr lang="en-US" smtClean="0"/>
-              <a:t>1/10/2025</a:t>
+              <a:t>1/13/2025</a:t>
             </a:fld>
             <a:endParaRPr lang="en-US"/>
           </a:p>
@@ -3102,7 +3102,7 @@
           <a:p>
             <a:fld id="{A709E7FE-DBB4-4B23-A04D-A8448DA8D5CC}" type="datetimeFigureOut">
               <a:rPr lang="en-US" smtClean="0"/>
-              <a:t>1/10/2025</a:t>
+              <a:t>1/13/2025</a:t>
             </a:fld>
             <a:endParaRPr lang="en-US"/>
           </a:p>
@@ -3391,7 +3391,7 @@
           <a:p>
             <a:fld id="{A709E7FE-DBB4-4B23-A04D-A8448DA8D5CC}" type="datetimeFigureOut">
               <a:rPr lang="en-US" smtClean="0"/>
-              <a:t>1/10/2025</a:t>
+              <a:t>1/13/2025</a:t>
             </a:fld>
             <a:endParaRPr lang="en-US"/>
           </a:p>
@@ -3634,7 +3634,7 @@
           <a:p>
             <a:fld id="{A709E7FE-DBB4-4B23-A04D-A8448DA8D5CC}" type="datetimeFigureOut">
               <a:rPr lang="en-US" smtClean="0"/>
-              <a:t>1/10/2025</a:t>
+              <a:t>1/13/2025</a:t>
             </a:fld>
             <a:endParaRPr lang="en-US"/>
           </a:p>
